--- a/presentation.pptx
+++ b/presentation.pptx
@@ -11,11 +11,13 @@
     <p:sldId id="259" r:id="rId5"/>
     <p:sldId id="260" r:id="rId6"/>
     <p:sldId id="261" r:id="rId7"/>
-    <p:sldId id="262" r:id="rId8"/>
+    <p:sldId id="267" r:id="rId8"/>
     <p:sldId id="263" r:id="rId9"/>
-    <p:sldId id="264" r:id="rId10"/>
-    <p:sldId id="265" r:id="rId11"/>
-    <p:sldId id="266" r:id="rId12"/>
+    <p:sldId id="268" r:id="rId10"/>
+    <p:sldId id="269" r:id="rId11"/>
+    <p:sldId id="264" r:id="rId12"/>
+    <p:sldId id="265" r:id="rId13"/>
+    <p:sldId id="266" r:id="rId14"/>
   </p:sldIdLst>
   <p:sldSz cx="12192000" cy="6858000"/>
   <p:notesSz cx="6858000" cy="9144000"/>
@@ -114,6 +116,11 @@
       </a:defRPr>
     </a:lvl9pPr>
   </p:defaultTextStyle>
+  <p:extLst>
+    <p:ext uri="{EFAFB233-063F-42B5-8137-9DF3F51BA10A}">
+      <p15:sldGuideLst xmlns:p15="http://schemas.microsoft.com/office/powerpoint/2012/main"/>
+    </p:ext>
+  </p:extLst>
 </p:presentation>
 </file>
 
@@ -264,7 +271,7 @@
           <a:p>
             <a:fld id="{296BF0D9-E53E-4EA4-BADC-FB9A07FA4F3D}" type="datetimeFigureOut">
               <a:rPr lang="en-US" smtClean="0"/>
-              <a:t>2/19/2025</a:t>
+              <a:t>2/22/2025</a:t>
             </a:fld>
             <a:endParaRPr lang="en-US"/>
           </a:p>
@@ -462,7 +469,7 @@
           <a:p>
             <a:fld id="{296BF0D9-E53E-4EA4-BADC-FB9A07FA4F3D}" type="datetimeFigureOut">
               <a:rPr lang="en-US" smtClean="0"/>
-              <a:t>2/19/2025</a:t>
+              <a:t>2/22/2025</a:t>
             </a:fld>
             <a:endParaRPr lang="en-US"/>
           </a:p>
@@ -670,7 +677,7 @@
           <a:p>
             <a:fld id="{296BF0D9-E53E-4EA4-BADC-FB9A07FA4F3D}" type="datetimeFigureOut">
               <a:rPr lang="en-US" smtClean="0"/>
-              <a:t>2/19/2025</a:t>
+              <a:t>2/22/2025</a:t>
             </a:fld>
             <a:endParaRPr lang="en-US"/>
           </a:p>
@@ -868,7 +875,7 @@
           <a:p>
             <a:fld id="{296BF0D9-E53E-4EA4-BADC-FB9A07FA4F3D}" type="datetimeFigureOut">
               <a:rPr lang="en-US" smtClean="0"/>
-              <a:t>2/19/2025</a:t>
+              <a:t>2/22/2025</a:t>
             </a:fld>
             <a:endParaRPr lang="en-US"/>
           </a:p>
@@ -1143,7 +1150,7 @@
           <a:p>
             <a:fld id="{296BF0D9-E53E-4EA4-BADC-FB9A07FA4F3D}" type="datetimeFigureOut">
               <a:rPr lang="en-US" smtClean="0"/>
-              <a:t>2/19/2025</a:t>
+              <a:t>2/22/2025</a:t>
             </a:fld>
             <a:endParaRPr lang="en-US"/>
           </a:p>
@@ -1408,7 +1415,7 @@
           <a:p>
             <a:fld id="{296BF0D9-E53E-4EA4-BADC-FB9A07FA4F3D}" type="datetimeFigureOut">
               <a:rPr lang="en-US" smtClean="0"/>
-              <a:t>2/19/2025</a:t>
+              <a:t>2/22/2025</a:t>
             </a:fld>
             <a:endParaRPr lang="en-US"/>
           </a:p>
@@ -1820,7 +1827,7 @@
           <a:p>
             <a:fld id="{296BF0D9-E53E-4EA4-BADC-FB9A07FA4F3D}" type="datetimeFigureOut">
               <a:rPr lang="en-US" smtClean="0"/>
-              <a:t>2/19/2025</a:t>
+              <a:t>2/22/2025</a:t>
             </a:fld>
             <a:endParaRPr lang="en-US"/>
           </a:p>
@@ -1961,7 +1968,7 @@
           <a:p>
             <a:fld id="{296BF0D9-E53E-4EA4-BADC-FB9A07FA4F3D}" type="datetimeFigureOut">
               <a:rPr lang="en-US" smtClean="0"/>
-              <a:t>2/19/2025</a:t>
+              <a:t>2/22/2025</a:t>
             </a:fld>
             <a:endParaRPr lang="en-US"/>
           </a:p>
@@ -2074,7 +2081,7 @@
           <a:p>
             <a:fld id="{296BF0D9-E53E-4EA4-BADC-FB9A07FA4F3D}" type="datetimeFigureOut">
               <a:rPr lang="en-US" smtClean="0"/>
-              <a:t>2/19/2025</a:t>
+              <a:t>2/22/2025</a:t>
             </a:fld>
             <a:endParaRPr lang="en-US"/>
           </a:p>
@@ -2385,7 +2392,7 @@
           <a:p>
             <a:fld id="{296BF0D9-E53E-4EA4-BADC-FB9A07FA4F3D}" type="datetimeFigureOut">
               <a:rPr lang="en-US" smtClean="0"/>
-              <a:t>2/19/2025</a:t>
+              <a:t>2/22/2025</a:t>
             </a:fld>
             <a:endParaRPr lang="en-US"/>
           </a:p>
@@ -2673,7 +2680,7 @@
           <a:p>
             <a:fld id="{296BF0D9-E53E-4EA4-BADC-FB9A07FA4F3D}" type="datetimeFigureOut">
               <a:rPr lang="en-US" smtClean="0"/>
-              <a:t>2/19/2025</a:t>
+              <a:t>2/22/2025</a:t>
             </a:fld>
             <a:endParaRPr lang="en-US"/>
           </a:p>
@@ -2914,7 +2921,7 @@
           <a:p>
             <a:fld id="{296BF0D9-E53E-4EA4-BADC-FB9A07FA4F3D}" type="datetimeFigureOut">
               <a:rPr lang="en-US" smtClean="0"/>
-              <a:t>2/19/2025</a:t>
+              <a:t>2/22/2025</a:t>
             </a:fld>
             <a:endParaRPr lang="en-US"/>
           </a:p>
@@ -3553,6 +3560,300 @@
       </p:grpSpPr>
       <p:sp>
         <p:nvSpPr>
+          <p:cNvPr id="5" name="Title 4">
+            <a:extLst>
+              <a:ext uri="{FF2B5EF4-FFF2-40B4-BE49-F238E27FC236}">
+                <a16:creationId xmlns:a16="http://schemas.microsoft.com/office/drawing/2014/main" id="{F1D9CE6E-C31C-B6F1-E3CB-B314A22272DB}"/>
+              </a:ext>
+            </a:extLst>
+          </p:cNvPr>
+          <p:cNvSpPr>
+            <a:spLocks noGrp="1"/>
+          </p:cNvSpPr>
+          <p:nvPr>
+            <p:ph type="title"/>
+          </p:nvPr>
+        </p:nvSpPr>
+        <p:spPr/>
+        <p:txBody>
+          <a:bodyPr/>
+          <a:lstStyle/>
+          <a:p>
+            <a:r>
+              <a:rPr lang="en-US" dirty="0"/>
+              <a:t>Validation of the RF Model</a:t>
+            </a:r>
+          </a:p>
+        </p:txBody>
+      </p:sp>
+      <p:pic>
+        <p:nvPicPr>
+          <p:cNvPr id="8" name="Content Placeholder 7">
+            <a:extLst>
+              <a:ext uri="{FF2B5EF4-FFF2-40B4-BE49-F238E27FC236}">
+                <a16:creationId xmlns:a16="http://schemas.microsoft.com/office/drawing/2014/main" id="{251C9861-C244-730E-BAEF-F12C85AF66B4}"/>
+              </a:ext>
+            </a:extLst>
+          </p:cNvPr>
+          <p:cNvPicPr>
+            <a:picLocks noGrp="1" noChangeAspect="1"/>
+          </p:cNvPicPr>
+          <p:nvPr>
+            <p:ph idx="1"/>
+          </p:nvPr>
+        </p:nvPicPr>
+        <p:blipFill>
+          <a:blip r:embed="rId2"/>
+          <a:stretch>
+            <a:fillRect/>
+          </a:stretch>
+        </p:blipFill>
+        <p:spPr>
+          <a:xfrm>
+            <a:off x="1000690" y="1690688"/>
+            <a:ext cx="9402455" cy="4263797"/>
+          </a:xfrm>
+        </p:spPr>
+      </p:pic>
+    </p:spTree>
+    <p:extLst>
+      <p:ext uri="{BB962C8B-B14F-4D97-AF65-F5344CB8AC3E}">
+        <p14:creationId xmlns:p14="http://schemas.microsoft.com/office/powerpoint/2010/main" val="2270221046"/>
+      </p:ext>
+    </p:extLst>
+  </p:cSld>
+  <p:clrMapOvr>
+    <a:masterClrMapping/>
+  </p:clrMapOvr>
+</p:sld>
+</file>
+
+<file path=ppt/slides/slide11.xml><?xml version="1.0" encoding="utf-8"?>
+<p:sld xmlns:a="http://schemas.openxmlformats.org/drawingml/2006/main" xmlns:r="http://schemas.openxmlformats.org/officeDocument/2006/relationships" xmlns:p="http://schemas.openxmlformats.org/presentationml/2006/main">
+  <p:cSld>
+    <p:spTree>
+      <p:nvGrpSpPr>
+        <p:cNvPr id="1" name=""/>
+        <p:cNvGrpSpPr/>
+        <p:nvPr/>
+      </p:nvGrpSpPr>
+      <p:grpSpPr>
+        <a:xfrm>
+          <a:off x="0" y="0"/>
+          <a:ext cx="0" cy="0"/>
+          <a:chOff x="0" y="0"/>
+          <a:chExt cx="0" cy="0"/>
+        </a:xfrm>
+      </p:grpSpPr>
+      <p:sp>
+        <p:nvSpPr>
+          <p:cNvPr id="5" name="Title 4">
+            <a:extLst>
+              <a:ext uri="{FF2B5EF4-FFF2-40B4-BE49-F238E27FC236}">
+                <a16:creationId xmlns:a16="http://schemas.microsoft.com/office/drawing/2014/main" id="{3CAA5B48-B2F9-9E21-62C9-E1F36901107A}"/>
+              </a:ext>
+            </a:extLst>
+          </p:cNvPr>
+          <p:cNvSpPr>
+            <a:spLocks noGrp="1"/>
+          </p:cNvSpPr>
+          <p:nvPr>
+            <p:ph type="title"/>
+          </p:nvPr>
+        </p:nvSpPr>
+        <p:spPr/>
+        <p:txBody>
+          <a:bodyPr/>
+          <a:lstStyle/>
+          <a:p>
+            <a:r>
+              <a:rPr lang="en-US" b="1" i="0" dirty="0">
+                <a:effectLst/>
+                <a:latin typeface="system-ui"/>
+              </a:rPr>
+              <a:t>Insights</a:t>
+            </a:r>
+            <a:endParaRPr lang="en-US" dirty="0"/>
+          </a:p>
+        </p:txBody>
+      </p:sp>
+      <p:sp>
+        <p:nvSpPr>
+          <p:cNvPr id="6" name="Content Placeholder 5">
+            <a:extLst>
+              <a:ext uri="{FF2B5EF4-FFF2-40B4-BE49-F238E27FC236}">
+                <a16:creationId xmlns:a16="http://schemas.microsoft.com/office/drawing/2014/main" id="{F30D0BCF-419E-4BD6-587D-CBF9CFE7B7C9}"/>
+              </a:ext>
+            </a:extLst>
+          </p:cNvPr>
+          <p:cNvSpPr>
+            <a:spLocks noGrp="1"/>
+          </p:cNvSpPr>
+          <p:nvPr>
+            <p:ph idx="1"/>
+          </p:nvPr>
+        </p:nvSpPr>
+        <p:spPr>
+          <a:xfrm>
+            <a:off x="838200" y="1825626"/>
+            <a:ext cx="10515600" cy="3323318"/>
+          </a:xfrm>
+        </p:spPr>
+        <p:txBody>
+          <a:bodyPr>
+            <a:normAutofit fontScale="92500" lnSpcReduction="20000"/>
+          </a:bodyPr>
+          <a:lstStyle/>
+          <a:p>
+            <a:pPr algn="l"/>
+            <a:r>
+              <a:rPr lang="en-US" b="1" i="0" dirty="0">
+                <a:effectLst/>
+                <a:latin typeface="system-ui"/>
+              </a:rPr>
+              <a:t>Random Forest is the best classification model for </a:t>
+            </a:r>
+            <a:r>
+              <a:rPr lang="en-US" b="1" i="0" dirty="0" err="1">
+                <a:effectLst/>
+                <a:latin typeface="system-ui"/>
+              </a:rPr>
+              <a:t>Postiive</a:t>
+            </a:r>
+            <a:r>
+              <a:rPr lang="en-US" b="1" i="0" dirty="0">
+                <a:effectLst/>
+                <a:latin typeface="system-ui"/>
+              </a:rPr>
+              <a:t> and Negative emotions due to it’s his baseline accuracy scores</a:t>
+            </a:r>
+          </a:p>
+          <a:p>
+            <a:pPr lvl="1">
+              <a:buFont typeface="Wingdings" panose="05000000000000000000" pitchFamily="2" charset="2"/>
+              <a:buChar char="Ø"/>
+            </a:pPr>
+            <a:r>
+              <a:rPr lang="en-US" b="0" i="0" dirty="0">
+                <a:effectLst/>
+                <a:latin typeface="system-ui"/>
+              </a:rPr>
+              <a:t>This implies that the actual verses predicted emotions in the tweets will be subject to higher accuracy in classification</a:t>
+            </a:r>
+          </a:p>
+          <a:p>
+            <a:pPr algn="l"/>
+            <a:r>
+              <a:rPr lang="en-US" b="1" i="0" dirty="0">
+                <a:effectLst/>
+                <a:latin typeface="system-ui"/>
+              </a:rPr>
+              <a:t>Actual and Predicted labels demonstrate alignment;</a:t>
+            </a:r>
+          </a:p>
+          <a:p>
+            <a:pPr lvl="1">
+              <a:buFont typeface="Wingdings" panose="05000000000000000000" pitchFamily="2" charset="2"/>
+              <a:buChar char="Ø"/>
+            </a:pPr>
+            <a:r>
+              <a:rPr lang="en-US" b="0" i="0" dirty="0">
+                <a:effectLst/>
+                <a:latin typeface="system-ui"/>
+              </a:rPr>
+              <a:t>This implies that there will be no confusion in the interpretation of the emotions</a:t>
+            </a:r>
+          </a:p>
+          <a:p>
+            <a:pPr algn="l"/>
+            <a:r>
+              <a:rPr lang="en-US" b="1" i="0" dirty="0">
+                <a:effectLst/>
+                <a:latin typeface="system-ui"/>
+              </a:rPr>
+              <a:t>The balanced color mapping highlights clear distinctions between positive and negative emotions</a:t>
+            </a:r>
+          </a:p>
+          <a:p>
+            <a:pPr lvl="1">
+              <a:buFont typeface="Wingdings" panose="05000000000000000000" pitchFamily="2" charset="2"/>
+              <a:buChar char="Ø"/>
+            </a:pPr>
+            <a:r>
+              <a:rPr lang="en-US" b="0" i="0" dirty="0">
+                <a:effectLst/>
+                <a:latin typeface="system-ui"/>
+              </a:rPr>
+              <a:t>This depiction is useful in determining areas to be improved in the model but for this case, it performs well</a:t>
+            </a:r>
+          </a:p>
+          <a:p>
+            <a:endParaRPr lang="en-US" dirty="0"/>
+          </a:p>
+        </p:txBody>
+      </p:sp>
+      <p:pic>
+        <p:nvPicPr>
+          <p:cNvPr id="7" name="Picture 6">
+            <a:extLst>
+              <a:ext uri="{FF2B5EF4-FFF2-40B4-BE49-F238E27FC236}">
+                <a16:creationId xmlns:a16="http://schemas.microsoft.com/office/drawing/2014/main" id="{38E4316E-5944-BE80-0B62-4F141B390DE5}"/>
+              </a:ext>
+            </a:extLst>
+          </p:cNvPr>
+          <p:cNvPicPr>
+            <a:picLocks noChangeAspect="1"/>
+          </p:cNvPicPr>
+          <p:nvPr/>
+        </p:nvPicPr>
+        <p:blipFill>
+          <a:blip r:embed="rId2"/>
+          <a:stretch>
+            <a:fillRect/>
+          </a:stretch>
+        </p:blipFill>
+        <p:spPr>
+          <a:xfrm>
+            <a:off x="4762431" y="5060858"/>
+            <a:ext cx="2667137" cy="1797142"/>
+          </a:xfrm>
+          <a:prstGeom prst="rect">
+            <a:avLst/>
+          </a:prstGeom>
+        </p:spPr>
+      </p:pic>
+    </p:spTree>
+    <p:extLst>
+      <p:ext uri="{BB962C8B-B14F-4D97-AF65-F5344CB8AC3E}">
+        <p14:creationId xmlns:p14="http://schemas.microsoft.com/office/powerpoint/2010/main" val="451403984"/>
+      </p:ext>
+    </p:extLst>
+  </p:cSld>
+  <p:clrMapOvr>
+    <a:masterClrMapping/>
+  </p:clrMapOvr>
+</p:sld>
+</file>
+
+<file path=ppt/slides/slide12.xml><?xml version="1.0" encoding="utf-8"?>
+<p:sld xmlns:a="http://schemas.openxmlformats.org/drawingml/2006/main" xmlns:r="http://schemas.openxmlformats.org/officeDocument/2006/relationships" xmlns:p="http://schemas.openxmlformats.org/presentationml/2006/main">
+  <p:cSld>
+    <p:spTree>
+      <p:nvGrpSpPr>
+        <p:cNvPr id="1" name=""/>
+        <p:cNvGrpSpPr/>
+        <p:nvPr/>
+      </p:nvGrpSpPr>
+      <p:grpSpPr>
+        <a:xfrm>
+          <a:off x="0" y="0"/>
+          <a:ext cx="0" cy="0"/>
+          <a:chOff x="0" y="0"/>
+          <a:chExt cx="0" cy="0"/>
+        </a:xfrm>
+      </p:grpSpPr>
+      <p:sp>
+        <p:nvSpPr>
           <p:cNvPr id="2" name="Title 1">
             <a:extLst>
               <a:ext uri="{FF2B5EF4-FFF2-40B4-BE49-F238E27FC236}">
@@ -3603,7 +3904,7 @@
         </p:spPr>
         <p:txBody>
           <a:bodyPr>
-            <a:normAutofit lnSpcReduction="10000"/>
+            <a:normAutofit fontScale="92500" lnSpcReduction="10000"/>
           </a:bodyPr>
           <a:lstStyle/>
           <a:p>
@@ -3613,22 +3914,55 @@
                 <a:effectLst/>
                 <a:latin typeface="system-ui"/>
               </a:rPr>
-              <a:t>A single Tweet cannot predict the overall emotion towards their products or brand.</a:t>
-            </a:r>
-          </a:p>
-          <a:p>
-            <a:r>
-              <a:rPr lang="en-US" dirty="0">
-                <a:latin typeface="system-ui"/>
-              </a:rPr>
-              <a:t> The NLP</a:t>
-            </a:r>
+              <a:t>A single Tweet from Apple or Google can be use in predicting the emotions towards the product or brand.</a:t>
+            </a:r>
+          </a:p>
+          <a:p>
+            <a:pPr algn="l"/>
             <a:r>
               <a:rPr lang="en-US" i="0" dirty="0">
                 <a:effectLst/>
                 <a:latin typeface="system-ui"/>
               </a:rPr>
-              <a:t> model alone is relatively insufficient in predicting the emotions from a tweet text due to its low accuracy and increased errors</a:t>
+              <a:t>Classification models have high accuracy in predicting the emotions from a tweet text</a:t>
+            </a:r>
+          </a:p>
+          <a:p>
+            <a:pPr algn="l"/>
+            <a:r>
+              <a:rPr lang="en-US" i="0" dirty="0">
+                <a:effectLst/>
+                <a:latin typeface="system-ui"/>
+              </a:rPr>
+              <a:t>Possible errors in the </a:t>
+            </a:r>
+            <a:r>
+              <a:rPr lang="en-US" i="0" dirty="0" err="1">
+                <a:effectLst/>
+                <a:latin typeface="system-ui"/>
+              </a:rPr>
+              <a:t>LogisticRegression</a:t>
+            </a:r>
+            <a:r>
+              <a:rPr lang="en-US" i="0" dirty="0">
+                <a:effectLst/>
+                <a:latin typeface="system-ui"/>
+              </a:rPr>
+              <a:t> Model can be reduced further by implementing the </a:t>
+            </a:r>
+            <a:r>
+              <a:rPr lang="en-US" i="0" dirty="0" err="1">
+                <a:effectLst/>
+                <a:latin typeface="system-ui"/>
+              </a:rPr>
+              <a:t>RandomForest</a:t>
+            </a:r>
+            <a:r>
+              <a:rPr lang="en-US" i="0" dirty="0">
+                <a:effectLst/>
+                <a:latin typeface="system-ui"/>
+              </a:rPr>
+              <a:t> Model</a:t>
             </a:r>
           </a:p>
           <a:p>
@@ -3645,16 +3979,13 @@
                 <a:effectLst/>
                 <a:latin typeface="system-ui"/>
               </a:rPr>
-              <a:t> are useful in identifying a problem with a particular product or brand, this informs on areas for improvement</a:t>
-            </a:r>
-          </a:p>
-          <a:p>
-            <a:r>
-              <a:rPr lang="en-US" dirty="0"/>
-              <a:t>Emotions can be overfitting and underfitting</a:t>
-            </a:r>
-          </a:p>
-          <a:p>
+              <a:t> are useful in identifying a problem with a product or brand from either Google or Apple, this informs on areas for improvement.</a:t>
+            </a:r>
+          </a:p>
+          <a:p>
+            <a:pPr marL="0" indent="0">
+              <a:buNone/>
+            </a:pPr>
             <a:endParaRPr lang="en-US" dirty="0"/>
           </a:p>
           <a:p>
@@ -3711,7 +4042,7 @@
 </p:sld>
 </file>
 
-<file path=ppt/slides/slide11.xml><?xml version="1.0" encoding="utf-8"?>
+<file path=ppt/slides/slide13.xml><?xml version="1.0" encoding="utf-8"?>
 <p:sld xmlns:a="http://schemas.openxmlformats.org/drawingml/2006/main" xmlns:r="http://schemas.openxmlformats.org/officeDocument/2006/relationships" xmlns:p="http://schemas.openxmlformats.org/presentationml/2006/main">
   <p:cSld>
     <p:spTree>
@@ -3970,7 +4301,7 @@
           <a:p>
             <a:r>
               <a:rPr lang="en-US" dirty="0"/>
-              <a:t>With the increasing use of Tweets, companies need to find ways to analyze texts to improve product/service delivery</a:t>
+              <a:t>With the increasing use of Tweets, companies constantly need to find ways to analyze texts to improve product/service delivery</a:t>
             </a:r>
           </a:p>
           <a:p>
@@ -4000,13 +4331,13 @@
             </a:r>
             <a:r>
               <a:rPr lang="en-US" dirty="0"/>
-              <a:t> has a meaning</a:t>
+              <a:t> has a meaning, there is a need for automation</a:t>
             </a:r>
           </a:p>
           <a:p>
             <a:r>
               <a:rPr lang="en-US" dirty="0"/>
-              <a:t>Sentiments from Tweets can convey user emotions or experience</a:t>
+              <a:t>Tweets can convey useful user-emotions and/or experience</a:t>
             </a:r>
           </a:p>
           <a:p>
@@ -4294,7 +4625,7 @@
         </p:spPr>
         <p:txBody>
           <a:bodyPr>
-            <a:normAutofit fontScale="92500"/>
+            <a:normAutofit fontScale="92500" lnSpcReduction="20000"/>
           </a:bodyPr>
           <a:lstStyle/>
           <a:p>
@@ -4339,7 +4670,7 @@
                 <a:effectLst/>
                 <a:latin typeface="system-ui"/>
               </a:rPr>
-              <a:t>To find out the overall sentiments on Apple and Google products</a:t>
+              <a:t>To find out if a Tweet can demonstrate a sentiment on Apple and Google products</a:t>
             </a:r>
           </a:p>
           <a:p>
@@ -4365,7 +4696,7 @@
                 <a:effectLst/>
                 <a:latin typeface="system-ui"/>
               </a:rPr>
-              <a:t>To establish how the negative sentiments would be improved</a:t>
+              <a:t>To establish the best classification model for analyzing sentiments on Twitter texts(automatically)</a:t>
             </a:r>
           </a:p>
           <a:p>
@@ -4522,7 +4853,10 @@
             </a:r>
           </a:p>
           <a:p>
-            <a:endParaRPr lang="en-US" sz="2400" dirty="0"/>
+            <a:r>
+              <a:rPr lang="en-US" sz="2400" dirty="0"/>
+              <a:t>Positive and Negative emotions constitute majority of tweets</a:t>
+            </a:r>
           </a:p>
           <a:p>
             <a:r>
@@ -4865,7 +5199,7 @@
           <p:cNvPr id="5" name="Title 4">
             <a:extLst>
               <a:ext uri="{FF2B5EF4-FFF2-40B4-BE49-F238E27FC236}">
-                <a16:creationId xmlns:a16="http://schemas.microsoft.com/office/drawing/2014/main" id="{95FF75E7-D636-4A6F-7783-65FBE8F2ECCD}"/>
+                <a16:creationId xmlns:a16="http://schemas.microsoft.com/office/drawing/2014/main" id="{F7A50E5E-C0E9-E79B-6506-DE3D3A1BFA1B}"/>
               </a:ext>
             </a:extLst>
           </p:cNvPr>
@@ -4881,20 +5215,19 @@
           <a:bodyPr/>
           <a:lstStyle/>
           <a:p>
-            <a:pPr algn="ctr"/>
             <a:r>
               <a:rPr lang="en-US" dirty="0"/>
-              <a:t>Processed texts on Different Products</a:t>
+              <a:t>Unprocessed vs. Preprocessed Tweet-Text</a:t>
             </a:r>
           </a:p>
         </p:txBody>
       </p:sp>
       <p:pic>
         <p:nvPicPr>
-          <p:cNvPr id="10" name="Content Placeholder 9">
-            <a:extLst>
-              <a:ext uri="{FF2B5EF4-FFF2-40B4-BE49-F238E27FC236}">
-                <a16:creationId xmlns:a16="http://schemas.microsoft.com/office/drawing/2014/main" id="{796B3EDD-6A39-1570-3229-1996167D5F72}"/>
+          <p:cNvPr id="8" name="Content Placeholder 7">
+            <a:extLst>
+              <a:ext uri="{FF2B5EF4-FFF2-40B4-BE49-F238E27FC236}">
+                <a16:creationId xmlns:a16="http://schemas.microsoft.com/office/drawing/2014/main" id="{DA04686F-9CA2-66F2-CAC5-759012E37E72}"/>
               </a:ext>
             </a:extLst>
           </p:cNvPr>
@@ -4902,7 +5235,7 @@
             <a:picLocks noGrp="1" noChangeAspect="1"/>
           </p:cNvPicPr>
           <p:nvPr>
-            <p:ph sz="half" idx="1"/>
+            <p:ph idx="1"/>
           </p:nvPr>
         </p:nvPicPr>
         <p:blipFill>
@@ -4913,104 +5246,15 @@
         </p:blipFill>
         <p:spPr>
           <a:xfrm>
-            <a:off x="1153044" y="1825625"/>
-            <a:ext cx="4551912" cy="4351338"/>
+            <a:off x="838200" y="1694589"/>
+            <a:ext cx="10515599" cy="4798286"/>
           </a:xfrm>
-        </p:spPr>
-      </p:pic>
-      <p:pic>
-        <p:nvPicPr>
-          <p:cNvPr id="12" name="Content Placeholder 11">
-            <a:extLst>
-              <a:ext uri="{FF2B5EF4-FFF2-40B4-BE49-F238E27FC236}">
-                <a16:creationId xmlns:a16="http://schemas.microsoft.com/office/drawing/2014/main" id="{F190CCD3-356C-133D-D0B6-93BB80674064}"/>
-              </a:ext>
-            </a:extLst>
-          </p:cNvPr>
-          <p:cNvPicPr>
-            <a:picLocks noGrp="1" noChangeAspect="1"/>
-          </p:cNvPicPr>
-          <p:nvPr>
-            <p:ph sz="half" idx="2"/>
-          </p:nvPr>
-        </p:nvPicPr>
-        <p:blipFill>
-          <a:blip r:embed="rId3"/>
-          <a:stretch>
-            <a:fillRect/>
-          </a:stretch>
-        </p:blipFill>
-        <p:spPr>
-          <a:xfrm>
-            <a:off x="6480239" y="1825625"/>
-            <a:ext cx="4565522" cy="4351338"/>
-          </a:xfrm>
-        </p:spPr>
-      </p:pic>
-      <p:pic>
-        <p:nvPicPr>
-          <p:cNvPr id="13" name="Picture 12">
-            <a:extLst>
-              <a:ext uri="{FF2B5EF4-FFF2-40B4-BE49-F238E27FC236}">
-                <a16:creationId xmlns:a16="http://schemas.microsoft.com/office/drawing/2014/main" id="{CDE47FAD-42CF-8A4C-BC4C-D884531C1FCE}"/>
-              </a:ext>
-            </a:extLst>
-          </p:cNvPr>
-          <p:cNvPicPr>
-            <a:picLocks noChangeAspect="1"/>
-          </p:cNvPicPr>
-          <p:nvPr/>
-        </p:nvPicPr>
-        <p:blipFill>
-          <a:blip r:embed="rId4"/>
-          <a:stretch>
-            <a:fillRect/>
-          </a:stretch>
-        </p:blipFill>
-        <p:spPr>
-          <a:xfrm>
-            <a:off x="10737775" y="0"/>
-            <a:ext cx="1454225" cy="1314518"/>
-          </a:xfrm>
-          <a:prstGeom prst="rect">
-            <a:avLst/>
-          </a:prstGeom>
-        </p:spPr>
-      </p:pic>
-      <p:pic>
-        <p:nvPicPr>
-          <p:cNvPr id="16" name="Picture 15">
-            <a:extLst>
-              <a:ext uri="{FF2B5EF4-FFF2-40B4-BE49-F238E27FC236}">
-                <a16:creationId xmlns:a16="http://schemas.microsoft.com/office/drawing/2014/main" id="{1435ABAE-933B-A36B-9A9C-4612B01B1638}"/>
-              </a:ext>
-            </a:extLst>
-          </p:cNvPr>
-          <p:cNvPicPr>
-            <a:picLocks noChangeAspect="1"/>
-          </p:cNvPicPr>
-          <p:nvPr/>
-        </p:nvPicPr>
-        <p:blipFill>
-          <a:blip r:embed="rId5"/>
-          <a:stretch>
-            <a:fillRect/>
-          </a:stretch>
-        </p:blipFill>
-        <p:spPr>
-          <a:xfrm>
-            <a:off x="0" y="0"/>
-            <a:ext cx="1225613" cy="1085906"/>
-          </a:xfrm>
-          <a:prstGeom prst="rect">
-            <a:avLst/>
-          </a:prstGeom>
         </p:spPr>
       </p:pic>
     </p:spTree>
     <p:extLst>
       <p:ext uri="{BB962C8B-B14F-4D97-AF65-F5344CB8AC3E}">
-        <p14:creationId xmlns:p14="http://schemas.microsoft.com/office/powerpoint/2010/main" val="169113189"/>
+        <p14:creationId xmlns:p14="http://schemas.microsoft.com/office/powerpoint/2010/main" val="2944517758"/>
       </p:ext>
     </p:extLst>
   </p:cSld>
@@ -5065,72 +5309,12 @@
           </a:p>
         </p:txBody>
       </p:sp>
-      <p:sp>
-        <p:nvSpPr>
-          <p:cNvPr id="3" name="Content Placeholder 2">
-            <a:extLst>
-              <a:ext uri="{FF2B5EF4-FFF2-40B4-BE49-F238E27FC236}">
-                <a16:creationId xmlns:a16="http://schemas.microsoft.com/office/drawing/2014/main" id="{7D93D3E4-0C2E-C212-1747-ACABC9D1FC8A}"/>
-              </a:ext>
-            </a:extLst>
-          </p:cNvPr>
-          <p:cNvSpPr>
-            <a:spLocks noGrp="1"/>
-          </p:cNvSpPr>
-          <p:nvPr>
-            <p:ph idx="1"/>
-          </p:nvPr>
-        </p:nvSpPr>
-        <p:spPr/>
-        <p:txBody>
-          <a:bodyPr/>
-          <a:lstStyle/>
-          <a:p>
-            <a:endParaRPr lang="en-US" dirty="0"/>
-          </a:p>
-        </p:txBody>
-      </p:sp>
-      <p:sp>
-        <p:nvSpPr>
-          <p:cNvPr id="7" name="Text Placeholder 6">
-            <a:extLst>
-              <a:ext uri="{FF2B5EF4-FFF2-40B4-BE49-F238E27FC236}">
-                <a16:creationId xmlns:a16="http://schemas.microsoft.com/office/drawing/2014/main" id="{AB55EA49-AE0C-38E6-1508-7FFB963F17E9}"/>
-              </a:ext>
-            </a:extLst>
-          </p:cNvPr>
-          <p:cNvSpPr>
-            <a:spLocks noGrp="1"/>
-          </p:cNvSpPr>
-          <p:nvPr>
-            <p:ph type="body" sz="half" idx="2"/>
-          </p:nvPr>
-        </p:nvSpPr>
-        <p:spPr/>
-        <p:txBody>
-          <a:bodyPr/>
-          <a:lstStyle/>
-          <a:p>
-            <a:r>
-              <a:rPr lang="en-US" b="0" i="0" dirty="0">
-                <a:effectLst/>
-                <a:latin typeface="system-ui"/>
-              </a:rPr>
-              <a:t>The model did not perform so well on predicting unseen data with more errors and low accuracy levels</a:t>
-            </a:r>
-            <a:endParaRPr lang="en-US" dirty="0"/>
-          </a:p>
-          <a:p>
-            <a:endParaRPr lang="en-US" dirty="0"/>
-          </a:p>
-        </p:txBody>
-      </p:sp>
       <p:pic>
         <p:nvPicPr>
-          <p:cNvPr id="6" name="Content Placeholder 5">
-            <a:extLst>
-              <a:ext uri="{FF2B5EF4-FFF2-40B4-BE49-F238E27FC236}">
-                <a16:creationId xmlns:a16="http://schemas.microsoft.com/office/drawing/2014/main" id="{208B53CD-61B6-2981-D302-2B71E962B4E3}"/>
+          <p:cNvPr id="5" name="Content Placeholder 4">
+            <a:extLst>
+              <a:ext uri="{FF2B5EF4-FFF2-40B4-BE49-F238E27FC236}">
+                <a16:creationId xmlns:a16="http://schemas.microsoft.com/office/drawing/2014/main" id="{CC07E51B-A266-FCFB-3180-2279DD387A31}"/>
               </a:ext>
             </a:extLst>
           </p:cNvPr>
@@ -5138,7 +5322,7 @@
             <a:picLocks noGrp="1" noChangeAspect="1"/>
           </p:cNvPicPr>
           <p:nvPr>
-            <p:ph sz="half" idx="4294967295"/>
+            <p:ph idx="1"/>
           </p:nvPr>
         </p:nvPicPr>
         <p:blipFill>
@@ -5149,11 +5333,59 @@
         </p:blipFill>
         <p:spPr>
           <a:xfrm>
-            <a:off x="5323115" y="987425"/>
-            <a:ext cx="6313714" cy="5226244"/>
+            <a:off x="5334000" y="768678"/>
+            <a:ext cx="5637562" cy="5100309"/>
           </a:xfrm>
         </p:spPr>
       </p:pic>
+      <p:sp>
+        <p:nvSpPr>
+          <p:cNvPr id="7" name="Text Placeholder 6">
+            <a:extLst>
+              <a:ext uri="{FF2B5EF4-FFF2-40B4-BE49-F238E27FC236}">
+                <a16:creationId xmlns:a16="http://schemas.microsoft.com/office/drawing/2014/main" id="{AB55EA49-AE0C-38E6-1508-7FFB963F17E9}"/>
+              </a:ext>
+            </a:extLst>
+          </p:cNvPr>
+          <p:cNvSpPr>
+            <a:spLocks noGrp="1"/>
+          </p:cNvSpPr>
+          <p:nvPr>
+            <p:ph type="body" sz="half" idx="2"/>
+          </p:nvPr>
+        </p:nvSpPr>
+        <p:spPr/>
+        <p:txBody>
+          <a:bodyPr/>
+          <a:lstStyle/>
+          <a:p>
+            <a:r>
+              <a:rPr lang="en-US" sz="2400" b="0" i="0" dirty="0">
+                <a:effectLst/>
+                <a:latin typeface="system-ui"/>
+              </a:rPr>
+              <a:t>The logistic regression model did perform so well on predicting unseen data with a</a:t>
+            </a:r>
+            <a:r>
+              <a:rPr lang="en-US" sz="2400" dirty="0">
+                <a:latin typeface="system-ui"/>
+              </a:rPr>
+              <a:t> baseline </a:t>
+            </a:r>
+            <a:r>
+              <a:rPr lang="en-US" sz="2400" b="0" i="0" dirty="0">
+                <a:effectLst/>
+                <a:latin typeface="system-ui"/>
+              </a:rPr>
+              <a:t>accuracy level of 0.8517…</a:t>
+            </a:r>
+            <a:endParaRPr lang="en-US" sz="2400" dirty="0"/>
+          </a:p>
+          <a:p>
+            <a:endParaRPr lang="en-US" dirty="0"/>
+          </a:p>
+        </p:txBody>
+      </p:sp>
     </p:spTree>
     <p:extLst>
       <p:ext uri="{BB962C8B-B14F-4D97-AF65-F5344CB8AC3E}">
@@ -5186,10 +5418,10 @@
       </p:grpSpPr>
       <p:sp>
         <p:nvSpPr>
-          <p:cNvPr id="5" name="Title 4">
-            <a:extLst>
-              <a:ext uri="{FF2B5EF4-FFF2-40B4-BE49-F238E27FC236}">
-                <a16:creationId xmlns:a16="http://schemas.microsoft.com/office/drawing/2014/main" id="{3CAA5B48-B2F9-9E21-62C9-E1F36901107A}"/>
+          <p:cNvPr id="2" name="Title 1">
+            <a:extLst>
+              <a:ext uri="{FF2B5EF4-FFF2-40B4-BE49-F238E27FC236}">
+                <a16:creationId xmlns:a16="http://schemas.microsoft.com/office/drawing/2014/main" id="{0FA6E62A-E79F-B922-6DB0-0115CD0DBE6B}"/>
               </a:ext>
             </a:extLst>
           </p:cNvPr>
@@ -5206,130 +5438,27 @@
           <a:lstStyle/>
           <a:p>
             <a:r>
-              <a:rPr lang="en-US" b="1" i="0" dirty="0">
-                <a:effectLst/>
-                <a:latin typeface="system-ui"/>
-              </a:rPr>
-              <a:t>Insights</a:t>
-            </a:r>
-            <a:endParaRPr lang="en-US" dirty="0"/>
-          </a:p>
-        </p:txBody>
-      </p:sp>
-      <p:sp>
-        <p:nvSpPr>
-          <p:cNvPr id="6" name="Content Placeholder 5">
-            <a:extLst>
-              <a:ext uri="{FF2B5EF4-FFF2-40B4-BE49-F238E27FC236}">
-                <a16:creationId xmlns:a16="http://schemas.microsoft.com/office/drawing/2014/main" id="{F30D0BCF-419E-4BD6-587D-CBF9CFE7B7C9}"/>
-              </a:ext>
-            </a:extLst>
-          </p:cNvPr>
-          <p:cNvSpPr>
-            <a:spLocks noGrp="1"/>
-          </p:cNvSpPr>
-          <p:nvPr>
-            <p:ph idx="1"/>
-          </p:nvPr>
-        </p:nvSpPr>
-        <p:spPr>
-          <a:xfrm>
-            <a:off x="838200" y="1825626"/>
-            <a:ext cx="10515600" cy="3323318"/>
-          </a:xfrm>
-        </p:spPr>
-        <p:txBody>
-          <a:bodyPr>
-            <a:normAutofit fontScale="92500" lnSpcReduction="20000"/>
-          </a:bodyPr>
-          <a:lstStyle/>
-          <a:p>
-            <a:pPr algn="l"/>
-            <a:r>
-              <a:rPr lang="en-US" i="0" dirty="0">
-                <a:effectLst/>
-                <a:latin typeface="system-ui"/>
-              </a:rPr>
-              <a:t>The color orientation in the Confusion Matrix visualizes the poor performance of the classification model;</a:t>
-            </a:r>
-          </a:p>
-          <a:p>
-            <a:pPr lvl="1">
-              <a:buFont typeface="Wingdings" panose="05000000000000000000" pitchFamily="2" charset="2"/>
-              <a:buChar char="Ø"/>
-            </a:pPr>
-            <a:r>
-              <a:rPr lang="en-US" b="0" i="0" dirty="0">
-                <a:effectLst/>
-                <a:latin typeface="system-ui"/>
-              </a:rPr>
-              <a:t>This implies that the actual versus predicted emotions in the tweets will be subject to misclassification.</a:t>
-            </a:r>
-          </a:p>
-          <a:p>
-            <a:pPr algn="l"/>
-            <a:r>
-              <a:rPr lang="en-US" i="0" dirty="0">
-                <a:effectLst/>
-                <a:latin typeface="system-ui"/>
-              </a:rPr>
-              <a:t>The True and Predicted labels demonstrate a misalignment;</a:t>
-            </a:r>
-          </a:p>
-          <a:p>
-            <a:pPr lvl="1">
-              <a:buFont typeface="Wingdings" panose="05000000000000000000" pitchFamily="2" charset="2"/>
-              <a:buChar char="Ø"/>
-            </a:pPr>
-            <a:r>
-              <a:rPr lang="en-US" b="0" i="0" dirty="0">
-                <a:effectLst/>
-                <a:latin typeface="system-ui"/>
-              </a:rPr>
-              <a:t>This implies that there will be a confusion in the results interpretation from the model.</a:t>
-            </a:r>
-          </a:p>
-          <a:p>
-            <a:pPr algn="l"/>
-            <a:r>
-              <a:rPr lang="en-US" i="0" dirty="0">
-                <a:effectLst/>
-                <a:latin typeface="system-ui"/>
-              </a:rPr>
-              <a:t>The imbalanced color mapping highlights areas with problems in the model;</a:t>
-            </a:r>
-          </a:p>
-          <a:p>
-            <a:pPr lvl="1">
-              <a:buFont typeface="Wingdings" panose="05000000000000000000" pitchFamily="2" charset="2"/>
-              <a:buChar char="Ø"/>
-            </a:pPr>
-            <a:r>
-              <a:rPr lang="en-US" b="0" i="0" dirty="0">
-                <a:effectLst/>
-                <a:latin typeface="system-ui"/>
-              </a:rPr>
-              <a:t>This pinpoints areas that need to be improved in the model</a:t>
-            </a:r>
-          </a:p>
-          <a:p>
-            <a:endParaRPr lang="en-US" dirty="0"/>
+              <a:rPr lang="en-US" dirty="0"/>
+              <a:t>Confusion Matrix</a:t>
+            </a:r>
           </a:p>
         </p:txBody>
       </p:sp>
       <p:pic>
         <p:nvPicPr>
-          <p:cNvPr id="7" name="Picture 6">
-            <a:extLst>
-              <a:ext uri="{FF2B5EF4-FFF2-40B4-BE49-F238E27FC236}">
-                <a16:creationId xmlns:a16="http://schemas.microsoft.com/office/drawing/2014/main" id="{38E4316E-5944-BE80-0B62-4F141B390DE5}"/>
+          <p:cNvPr id="6" name="Content Placeholder 5">
+            <a:extLst>
+              <a:ext uri="{FF2B5EF4-FFF2-40B4-BE49-F238E27FC236}">
+                <a16:creationId xmlns:a16="http://schemas.microsoft.com/office/drawing/2014/main" id="{F301B907-6A33-9FEA-9DDC-EC461F8C25A6}"/>
               </a:ext>
             </a:extLst>
           </p:cNvPr>
           <p:cNvPicPr>
-            <a:picLocks noChangeAspect="1"/>
+            <a:picLocks noGrp="1" noChangeAspect="1"/>
           </p:cNvPicPr>
-          <p:nvPr/>
+          <p:nvPr>
+            <p:ph idx="1"/>
+          </p:nvPr>
         </p:nvPicPr>
         <p:blipFill>
           <a:blip r:embed="rId2"/>
@@ -5339,18 +5468,45 @@
         </p:blipFill>
         <p:spPr>
           <a:xfrm>
-            <a:off x="4762431" y="5060858"/>
-            <a:ext cx="2667137" cy="1797142"/>
+            <a:off x="4772025" y="1257300"/>
+            <a:ext cx="7124889" cy="4381500"/>
           </a:xfrm>
-          <a:prstGeom prst="rect">
-            <a:avLst/>
-          </a:prstGeom>
         </p:spPr>
       </p:pic>
+      <p:sp>
+        <p:nvSpPr>
+          <p:cNvPr id="4" name="Text Placeholder 3">
+            <a:extLst>
+              <a:ext uri="{FF2B5EF4-FFF2-40B4-BE49-F238E27FC236}">
+                <a16:creationId xmlns:a16="http://schemas.microsoft.com/office/drawing/2014/main" id="{F0A8A74F-A590-58CD-8C21-D6425952F7C0}"/>
+              </a:ext>
+            </a:extLst>
+          </p:cNvPr>
+          <p:cNvSpPr>
+            <a:spLocks noGrp="1"/>
+          </p:cNvSpPr>
+          <p:nvPr>
+            <p:ph type="body" sz="half" idx="2"/>
+          </p:nvPr>
+        </p:nvSpPr>
+        <p:spPr/>
+        <p:txBody>
+          <a:bodyPr>
+            <a:normAutofit/>
+          </a:bodyPr>
+          <a:lstStyle/>
+          <a:p>
+            <a:r>
+              <a:rPr lang="en-US" sz="2800" dirty="0"/>
+              <a:t>The Random Forest Model had a higher baseline accuracy score of 0.865…</a:t>
+            </a:r>
+          </a:p>
+        </p:txBody>
+      </p:sp>
     </p:spTree>
     <p:extLst>
       <p:ext uri="{BB962C8B-B14F-4D97-AF65-F5344CB8AC3E}">
-        <p14:creationId xmlns:p14="http://schemas.microsoft.com/office/powerpoint/2010/main" val="451403984"/>
+        <p14:creationId xmlns:p14="http://schemas.microsoft.com/office/powerpoint/2010/main" val="595090918"/>
       </p:ext>
     </p:extLst>
   </p:cSld>
